--- a/Fig1.pptx
+++ b/Fig1.pptx
@@ -3107,7 +3107,7 @@
           <a:p>
             <a:pPr algn="ctr"/>
             <a:r>
-              <a:rPr lang="en-US" b="1"/>
+              <a:rPr lang="en-US" b="1" dirty="0"/>
               <a:t>names</a:t>
             </a:r>
             <a:endParaRPr lang="en-US" dirty="0"/>
@@ -3184,7 +3184,7 @@
         <p:spPr>
           <a:xfrm>
             <a:off x="4677768" y="22666"/>
-            <a:ext cx="5295809" cy="1222771"/>
+            <a:ext cx="5462521" cy="1448858"/>
           </a:xfrm>
           <a:prstGeom prst="rect">
             <a:avLst/>
@@ -3209,7 +3209,7 @@
             </a:pPr>
             <a:r>
               <a:rPr lang="en-US" dirty="0"/>
-              <a:t>All source chronograms (trimmed)</a:t>
+              <a:t>All source chronograms</a:t>
             </a:r>
           </a:p>
           <a:p>
@@ -3219,21 +3219,35 @@
             </a:pPr>
             <a:r>
               <a:rPr lang="en-US" dirty="0"/>
-              <a:t>Citations</a:t>
-            </a:r>
-          </a:p>
-          <a:p>
-            <a:pPr marL="1382713" lvl="2" indent="-100013">
+              <a:t>Original studies citations</a:t>
+            </a:r>
+          </a:p>
+          <a:p>
+            <a:pPr marL="1422400" lvl="1" indent="-114300">
               <a:buFont typeface="Arial" panose="020B0604020202020204" pitchFamily="34" charset="0"/>
               <a:buChar char="•"/>
             </a:pPr>
             <a:r>
+              <a:rPr lang="en-US" dirty="0" err="1"/>
+              <a:t>Mrca</a:t>
+            </a:r>
+            <a:r>
+              <a:rPr lang="en-US" dirty="0"/>
+              <a:t> ages of each source chronogram</a:t>
+            </a:r>
+          </a:p>
+          <a:p>
+            <a:pPr marL="1600200" lvl="2" indent="-88900">
+              <a:buFont typeface="Arial" panose="020B0604020202020204" pitchFamily="34" charset="0"/>
+              <a:buChar char="•"/>
+            </a:pPr>
+            <a:r>
               <a:rPr lang="en-US" dirty="0"/>
               <a:t>A single summary tree of source chronograms</a:t>
             </a:r>
           </a:p>
           <a:p>
-            <a:pPr marL="1600200" lvl="3" indent="-128588">
+            <a:pPr marL="1828800" lvl="3" indent="-139700">
               <a:buFont typeface="Arial" panose="020B0604020202020204" pitchFamily="34" charset="0"/>
               <a:buChar char="•"/>
             </a:pPr>

--- a/Fig1.pptx
+++ b/Fig1.pptx
@@ -254,7 +254,7 @@
           <a:p>
             <a:fld id="{51126369-614B-0B45-85DC-92B11319A204}" type="datetimeFigureOut">
               <a:rPr lang="en-US" smtClean="0"/>
-              <a:t>1/19/19</a:t>
+              <a:t>5/17/19</a:t>
             </a:fld>
             <a:endParaRPr lang="en-US"/>
           </a:p>
@@ -424,7 +424,7 @@
           <a:p>
             <a:fld id="{51126369-614B-0B45-85DC-92B11319A204}" type="datetimeFigureOut">
               <a:rPr lang="en-US" smtClean="0"/>
-              <a:t>1/19/19</a:t>
+              <a:t>5/17/19</a:t>
             </a:fld>
             <a:endParaRPr lang="en-US"/>
           </a:p>
@@ -604,7 +604,7 @@
           <a:p>
             <a:fld id="{51126369-614B-0B45-85DC-92B11319A204}" type="datetimeFigureOut">
               <a:rPr lang="en-US" smtClean="0"/>
-              <a:t>1/19/19</a:t>
+              <a:t>5/17/19</a:t>
             </a:fld>
             <a:endParaRPr lang="en-US"/>
           </a:p>
@@ -774,7 +774,7 @@
           <a:p>
             <a:fld id="{51126369-614B-0B45-85DC-92B11319A204}" type="datetimeFigureOut">
               <a:rPr lang="en-US" smtClean="0"/>
-              <a:t>1/19/19</a:t>
+              <a:t>5/17/19</a:t>
             </a:fld>
             <a:endParaRPr lang="en-US"/>
           </a:p>
@@ -1020,7 +1020,7 @@
           <a:p>
             <a:fld id="{51126369-614B-0B45-85DC-92B11319A204}" type="datetimeFigureOut">
               <a:rPr lang="en-US" smtClean="0"/>
-              <a:t>1/19/19</a:t>
+              <a:t>5/17/19</a:t>
             </a:fld>
             <a:endParaRPr lang="en-US"/>
           </a:p>
@@ -1252,7 +1252,7 @@
           <a:p>
             <a:fld id="{51126369-614B-0B45-85DC-92B11319A204}" type="datetimeFigureOut">
               <a:rPr lang="en-US" smtClean="0"/>
-              <a:t>1/19/19</a:t>
+              <a:t>5/17/19</a:t>
             </a:fld>
             <a:endParaRPr lang="en-US"/>
           </a:p>
@@ -1619,7 +1619,7 @@
           <a:p>
             <a:fld id="{51126369-614B-0B45-85DC-92B11319A204}" type="datetimeFigureOut">
               <a:rPr lang="en-US" smtClean="0"/>
-              <a:t>1/19/19</a:t>
+              <a:t>5/17/19</a:t>
             </a:fld>
             <a:endParaRPr lang="en-US"/>
           </a:p>
@@ -1737,7 +1737,7 @@
           <a:p>
             <a:fld id="{51126369-614B-0B45-85DC-92B11319A204}" type="datetimeFigureOut">
               <a:rPr lang="en-US" smtClean="0"/>
-              <a:t>1/19/19</a:t>
+              <a:t>5/17/19</a:t>
             </a:fld>
             <a:endParaRPr lang="en-US"/>
           </a:p>
@@ -1832,7 +1832,7 @@
           <a:p>
             <a:fld id="{51126369-614B-0B45-85DC-92B11319A204}" type="datetimeFigureOut">
               <a:rPr lang="en-US" smtClean="0"/>
-              <a:t>1/19/19</a:t>
+              <a:t>5/17/19</a:t>
             </a:fld>
             <a:endParaRPr lang="en-US"/>
           </a:p>
@@ -2109,7 +2109,7 @@
           <a:p>
             <a:fld id="{51126369-614B-0B45-85DC-92B11319A204}" type="datetimeFigureOut">
               <a:rPr lang="en-US" smtClean="0"/>
-              <a:t>1/19/19</a:t>
+              <a:t>5/17/19</a:t>
             </a:fld>
             <a:endParaRPr lang="en-US"/>
           </a:p>
@@ -2366,7 +2366,7 @@
           <a:p>
             <a:fld id="{51126369-614B-0B45-85DC-92B11319A204}" type="datetimeFigureOut">
               <a:rPr lang="en-US" smtClean="0"/>
-              <a:t>1/19/19</a:t>
+              <a:t>5/17/19</a:t>
             </a:fld>
             <a:endParaRPr lang="en-US"/>
           </a:p>
@@ -2579,7 +2579,7 @@
           <a:p>
             <a:fld id="{51126369-614B-0B45-85DC-92B11319A204}" type="datetimeFigureOut">
               <a:rPr lang="en-US" smtClean="0"/>
-              <a:t>1/19/19</a:t>
+              <a:t>5/17/19</a:t>
             </a:fld>
             <a:endParaRPr lang="en-US"/>
           </a:p>
@@ -2986,6 +2986,154 @@
       </p:grpSpPr>
       <p:sp>
         <p:nvSpPr>
+          <p:cNvPr id="7" name="TextBox 6">
+            <a:extLst>
+              <a:ext uri="{FF2B5EF4-FFF2-40B4-BE49-F238E27FC236}">
+                <a16:creationId xmlns:a16="http://schemas.microsoft.com/office/drawing/2014/main" id="{6EDF329E-C9AF-8041-B7FB-700AEF589F1A}"/>
+              </a:ext>
+            </a:extLst>
+          </p:cNvPr>
+          <p:cNvSpPr txBox="1"/>
+          <p:nvPr/>
+        </p:nvSpPr>
+        <p:spPr>
+          <a:xfrm>
+            <a:off x="4677768" y="22666"/>
+            <a:ext cx="6235040" cy="1754326"/>
+          </a:xfrm>
+          <a:prstGeom prst="rect">
+            <a:avLst/>
+          </a:prstGeom>
+          <a:noFill/>
+        </p:spPr>
+        <p:txBody>
+          <a:bodyPr wrap="none" rtlCol="0">
+            <a:spAutoFit/>
+          </a:bodyPr>
+          <a:lstStyle/>
+          <a:p>
+            <a:r>
+              <a:rPr lang="en-US" sz="1800" b="1" dirty="0"/>
+              <a:t>  Source data (peer reviewed and curated)</a:t>
+            </a:r>
+          </a:p>
+          <a:p>
+            <a:pPr marL="688975" indent="-109538">
+              <a:buFont typeface="Arial" panose="020B0604020202020204" pitchFamily="34" charset="0"/>
+              <a:buChar char="•"/>
+            </a:pPr>
+            <a:r>
+              <a:rPr lang="en-US" sz="1800" dirty="0"/>
+              <a:t>All source chronograms</a:t>
+            </a:r>
+          </a:p>
+          <a:p>
+            <a:pPr marL="1149350" lvl="1" indent="-109538">
+              <a:buFont typeface="Arial" panose="020B0604020202020204" pitchFamily="34" charset="0"/>
+              <a:buChar char="•"/>
+            </a:pPr>
+            <a:r>
+              <a:rPr lang="en-US" sz="1800" dirty="0"/>
+              <a:t> All original study citations</a:t>
+            </a:r>
+          </a:p>
+          <a:p>
+            <a:pPr marL="1422400" lvl="1" indent="-114300">
+              <a:buFont typeface="Arial" panose="020B0604020202020204" pitchFamily="34" charset="0"/>
+              <a:buChar char="•"/>
+            </a:pPr>
+            <a:r>
+              <a:rPr lang="en-US" sz="1800" dirty="0" err="1"/>
+              <a:t>Mrca</a:t>
+            </a:r>
+            <a:r>
+              <a:rPr lang="en-US" sz="1800" dirty="0"/>
+              <a:t> ages of each source chronogram</a:t>
+            </a:r>
+          </a:p>
+          <a:p>
+            <a:pPr marL="1600200" lvl="2" indent="-88900">
+              <a:buFont typeface="Arial" panose="020B0604020202020204" pitchFamily="34" charset="0"/>
+              <a:buChar char="•"/>
+            </a:pPr>
+            <a:r>
+              <a:rPr lang="en-US" sz="1800" dirty="0"/>
+              <a:t>A single summary tree of source chronograms</a:t>
+            </a:r>
+          </a:p>
+          <a:p>
+            <a:pPr marL="1828800" lvl="3" indent="-139700">
+              <a:buFont typeface="Arial" panose="020B0604020202020204" pitchFamily="34" charset="0"/>
+              <a:buChar char="•"/>
+            </a:pPr>
+            <a:r>
+              <a:rPr lang="en-US" sz="1800" dirty="0"/>
+              <a:t>A summary of successful hits per input name</a:t>
+            </a:r>
+          </a:p>
+        </p:txBody>
+      </p:sp>
+      <p:sp>
+        <p:nvSpPr>
+          <p:cNvPr id="21" name="Oval 20">
+            <a:extLst>
+              <a:ext uri="{FF2B5EF4-FFF2-40B4-BE49-F238E27FC236}">
+                <a16:creationId xmlns:a16="http://schemas.microsoft.com/office/drawing/2014/main" id="{C0A86EBF-DBD2-884E-8F49-A280FA94B4E2}"/>
+              </a:ext>
+            </a:extLst>
+          </p:cNvPr>
+          <p:cNvSpPr>
+            <a:spLocks noChangeAspect="1"/>
+          </p:cNvSpPr>
+          <p:nvPr/>
+        </p:nvSpPr>
+        <p:spPr>
+          <a:xfrm>
+            <a:off x="2203098" y="1276159"/>
+            <a:ext cx="2971800" cy="2971800"/>
+          </a:xfrm>
+          <a:prstGeom prst="ellipse">
+            <a:avLst/>
+          </a:prstGeom>
+          <a:noFill/>
+          <a:ln>
+            <a:solidFill>
+              <a:schemeClr val="bg1"/>
+            </a:solidFill>
+          </a:ln>
+        </p:spPr>
+        <p:style>
+          <a:lnRef idx="2">
+            <a:schemeClr val="accent1">
+              <a:shade val="50000"/>
+            </a:schemeClr>
+          </a:lnRef>
+          <a:fillRef idx="1">
+            <a:schemeClr val="accent1"/>
+          </a:fillRef>
+          <a:effectRef idx="0">
+            <a:schemeClr val="accent1"/>
+          </a:effectRef>
+          <a:fontRef idx="minor">
+            <a:schemeClr val="lt1"/>
+          </a:fontRef>
+        </p:style>
+        <p:txBody>
+          <a:bodyPr rot="0" spcFirstLastPara="0" vertOverflow="overflow" horzOverflow="overflow" vert="horz" wrap="square" lIns="91440" tIns="45720" rIns="91440" bIns="45720" numCol="1" spcCol="0" rtlCol="0" fromWordArt="0" anchor="ctr" anchorCtr="0" forceAA="0" compatLnSpc="1">
+            <a:prstTxWarp prst="textNoShape">
+              <a:avLst/>
+            </a:prstTxWarp>
+            <a:noAutofit/>
+          </a:bodyPr>
+          <a:lstStyle/>
+          <a:p>
+            <a:pPr algn="ctr"/>
+            <a:endParaRPr lang="en-US" dirty="0"/>
+          </a:p>
+        </p:txBody>
+      </p:sp>
+      <p:sp>
+        <p:nvSpPr>
           <p:cNvPr id="9" name="Oval 8">
             <a:extLst>
               <a:ext uri="{FF2B5EF4-FFF2-40B4-BE49-F238E27FC236}">
@@ -3005,6 +3153,11 @@
             <a:avLst/>
           </a:prstGeom>
           <a:noFill/>
+          <a:ln>
+            <a:solidFill>
+              <a:schemeClr val="bg1"/>
+            </a:solidFill>
+          </a:ln>
         </p:spPr>
         <p:style>
           <a:lnRef idx="2">
@@ -3058,8 +3211,8 @@
         </p:blipFill>
         <p:spPr>
           <a:xfrm>
-            <a:off x="2518649" y="2140919"/>
-            <a:ext cx="2657901" cy="1242280"/>
+            <a:off x="2952756" y="2181317"/>
+            <a:ext cx="2404336" cy="1123766"/>
           </a:xfrm>
           <a:prstGeom prst="rect">
             <a:avLst/>
@@ -3080,8 +3233,8 @@
         </p:nvSpPr>
         <p:spPr>
           <a:xfrm>
-            <a:off x="160575" y="1796638"/>
-            <a:ext cx="1298368" cy="544508"/>
+            <a:off x="508525" y="1667333"/>
+            <a:ext cx="1544590" cy="646331"/>
           </a:xfrm>
           <a:prstGeom prst="rect">
             <a:avLst/>
@@ -3096,21 +3249,21 @@
           <a:p>
             <a:pPr algn="ctr"/>
             <a:r>
-              <a:rPr lang="en-US" dirty="0"/>
+              <a:rPr lang="en-US" sz="1800" dirty="0"/>
               <a:t>A </a:t>
             </a:r>
             <a:r>
-              <a:rPr lang="en-US" b="1" dirty="0"/>
+              <a:rPr lang="en-US" sz="1800" b="1" dirty="0"/>
               <a:t>list of taxon </a:t>
             </a:r>
           </a:p>
           <a:p>
             <a:pPr algn="ctr"/>
             <a:r>
-              <a:rPr lang="en-US" b="1" dirty="0"/>
+              <a:rPr lang="en-US" sz="1800" b="1" dirty="0"/>
               <a:t>names</a:t>
             </a:r>
-            <a:endParaRPr lang="en-US" dirty="0"/>
+            <a:endParaRPr lang="en-US" sz="1800" dirty="0"/>
           </a:p>
         </p:txBody>
       </p:sp>
@@ -3128,8 +3281,8 @@
         </p:nvSpPr>
         <p:spPr>
           <a:xfrm>
-            <a:off x="-25565" y="3034881"/>
-            <a:ext cx="1670649" cy="544508"/>
+            <a:off x="153478" y="3034881"/>
+            <a:ext cx="1996060" cy="646331"/>
           </a:xfrm>
           <a:prstGeom prst="rect">
             <a:avLst/>
@@ -3144,116 +3297,27 @@
           <a:p>
             <a:pPr algn="ctr"/>
             <a:r>
-              <a:rPr lang="en-US" dirty="0"/>
+              <a:rPr lang="en-US" sz="1800" dirty="0"/>
               <a:t>A </a:t>
             </a:r>
             <a:r>
-              <a:rPr lang="en-US" b="1" dirty="0"/>
+              <a:rPr lang="en-US" sz="1800" b="1" dirty="0"/>
               <a:t>tree</a:t>
             </a:r>
             <a:r>
-              <a:rPr lang="en-US" dirty="0"/>
+              <a:rPr lang="en-US" sz="1800" dirty="0"/>
               <a:t> with </a:t>
             </a:r>
             <a:r>
-              <a:rPr lang="en-US" b="1" dirty="0"/>
+              <a:rPr lang="en-US" sz="1800" b="1" dirty="0"/>
               <a:t>taxon </a:t>
             </a:r>
           </a:p>
           <a:p>
             <a:pPr algn="ctr"/>
             <a:r>
-              <a:rPr lang="en-US" b="1" dirty="0"/>
+              <a:rPr lang="en-US" sz="1800" b="1" dirty="0"/>
               <a:t>names as tip labels</a:t>
-            </a:r>
-          </a:p>
-        </p:txBody>
-      </p:sp>
-      <p:sp>
-        <p:nvSpPr>
-          <p:cNvPr id="7" name="TextBox 6">
-            <a:extLst>
-              <a:ext uri="{FF2B5EF4-FFF2-40B4-BE49-F238E27FC236}">
-                <a16:creationId xmlns:a16="http://schemas.microsoft.com/office/drawing/2014/main" id="{6EDF329E-C9AF-8041-B7FB-700AEF589F1A}"/>
-              </a:ext>
-            </a:extLst>
-          </p:cNvPr>
-          <p:cNvSpPr txBox="1"/>
-          <p:nvPr/>
-        </p:nvSpPr>
-        <p:spPr>
-          <a:xfrm>
-            <a:off x="4677768" y="22666"/>
-            <a:ext cx="5462521" cy="1448858"/>
-          </a:xfrm>
-          <a:prstGeom prst="rect">
-            <a:avLst/>
-          </a:prstGeom>
-          <a:noFill/>
-        </p:spPr>
-        <p:txBody>
-          <a:bodyPr wrap="none" rtlCol="0">
-            <a:spAutoFit/>
-          </a:bodyPr>
-          <a:lstStyle/>
-          <a:p>
-            <a:r>
-              <a:rPr lang="en-US" b="1" dirty="0"/>
-              <a:t>  Source data (peer reviewed and curated)</a:t>
-            </a:r>
-          </a:p>
-          <a:p>
-            <a:pPr marL="688975" indent="-109538">
-              <a:buFont typeface="Arial" panose="020B0604020202020204" pitchFamily="34" charset="0"/>
-              <a:buChar char="•"/>
-            </a:pPr>
-            <a:r>
-              <a:rPr lang="en-US" dirty="0"/>
-              <a:t>All source chronograms</a:t>
-            </a:r>
-          </a:p>
-          <a:p>
-            <a:pPr marL="1149350" lvl="1" indent="-109538">
-              <a:buFont typeface="Arial" panose="020B0604020202020204" pitchFamily="34" charset="0"/>
-              <a:buChar char="•"/>
-            </a:pPr>
-            <a:r>
-              <a:rPr lang="en-US" dirty="0"/>
-              <a:t>Original studies citations</a:t>
-            </a:r>
-          </a:p>
-          <a:p>
-            <a:pPr marL="1422400" lvl="1" indent="-114300">
-              <a:buFont typeface="Arial" panose="020B0604020202020204" pitchFamily="34" charset="0"/>
-              <a:buChar char="•"/>
-            </a:pPr>
-            <a:r>
-              <a:rPr lang="en-US" dirty="0" err="1"/>
-              <a:t>Mrca</a:t>
-            </a:r>
-            <a:r>
-              <a:rPr lang="en-US" dirty="0"/>
-              <a:t> ages of each source chronogram</a:t>
-            </a:r>
-          </a:p>
-          <a:p>
-            <a:pPr marL="1600200" lvl="2" indent="-88900">
-              <a:buFont typeface="Arial" panose="020B0604020202020204" pitchFamily="34" charset="0"/>
-              <a:buChar char="•"/>
-            </a:pPr>
-            <a:r>
-              <a:rPr lang="en-US" dirty="0"/>
-              <a:t>A single summary tree of source chronograms</a:t>
-            </a:r>
-          </a:p>
-          <a:p>
-            <a:pPr marL="1828800" lvl="3" indent="-139700">
-              <a:buFont typeface="Arial" panose="020B0604020202020204" pitchFamily="34" charset="0"/>
-              <a:buChar char="•"/>
-            </a:pPr>
-            <a:r>
-              <a:rPr lang="en-US" dirty="0"/>
-              <a:t>A summary of successful hits per input name</a:t>
             </a:r>
           </a:p>
         </p:txBody>
@@ -3272,8 +3336,8 @@
         </p:nvSpPr>
         <p:spPr>
           <a:xfrm>
-            <a:off x="6412205" y="2023397"/>
-            <a:ext cx="4631178" cy="1222771"/>
+            <a:off x="6412205" y="2004925"/>
+            <a:ext cx="4631178" cy="1477328"/>
           </a:xfrm>
           <a:prstGeom prst="rect">
             <a:avLst/>
@@ -3287,7 +3351,7 @@
           <a:lstStyle/>
           <a:p>
             <a:r>
-              <a:rPr lang="en-US" b="1" dirty="0"/>
+              <a:rPr lang="en-US" sz="1800" b="1" dirty="0"/>
               <a:t>  Original data</a:t>
             </a:r>
           </a:p>
@@ -3297,16 +3361,8 @@
               <a:buChar char="•"/>
             </a:pPr>
             <a:r>
-              <a:rPr lang="en-US" dirty="0"/>
-              <a:t>A single chronogram calibrated with all </a:t>
-            </a:r>
-            <a:r>
-              <a:rPr lang="en-US" dirty="0" err="1"/>
-              <a:t>congruified</a:t>
-            </a:r>
-            <a:r>
-              <a:rPr lang="en-US" dirty="0"/>
-              <a:t> source data</a:t>
+              <a:rPr lang="en-US" sz="1800" dirty="0"/>
+              <a:t>A single chronogram calibrated with all source chronogram data</a:t>
             </a:r>
           </a:p>
           <a:p>
@@ -3315,8 +3371,8 @@
               <a:buChar char="•"/>
             </a:pPr>
             <a:r>
-              <a:rPr lang="en-US" dirty="0"/>
-              <a:t>A chronogram calibrated with data from each source chronogram</a:t>
+              <a:rPr lang="en-US" sz="1800" dirty="0"/>
+              <a:t>A chronogram calibrated with data from a subset of source chronogram data</a:t>
             </a:r>
           </a:p>
         </p:txBody>
@@ -3337,7 +3393,7 @@
         </p:nvCxnSpPr>
         <p:spPr>
           <a:xfrm flipH="1">
-            <a:off x="1717002" y="2974474"/>
+            <a:off x="2104930" y="2974474"/>
             <a:ext cx="527331" cy="375557"/>
           </a:xfrm>
           <a:prstGeom prst="straightConnector1">
@@ -3385,8 +3441,8 @@
         </p:nvCxnSpPr>
         <p:spPr>
           <a:xfrm flipH="1" flipV="1">
-            <a:off x="1748332" y="2073949"/>
-            <a:ext cx="527330" cy="293710"/>
+            <a:off x="2108552" y="2073949"/>
+            <a:ext cx="514575" cy="382924"/>
           </a:xfrm>
           <a:prstGeom prst="straightConnector1">
             <a:avLst/>
@@ -3476,13 +3532,14 @@
           </p:cNvPr>
           <p:cNvCxnSpPr>
             <a:cxnSpLocks/>
+            <a:stCxn id="22" idx="1"/>
           </p:cNvCxnSpPr>
           <p:nvPr/>
         </p:nvCxnSpPr>
         <p:spPr>
-          <a:xfrm rot="2160000" flipH="1">
-            <a:off x="4585471" y="4232160"/>
-            <a:ext cx="1048184" cy="0"/>
+          <a:xfrm flipH="1" flipV="1">
+            <a:off x="4675036" y="4052890"/>
+            <a:ext cx="963864" cy="534418"/>
           </a:xfrm>
           <a:prstGeom prst="straightConnector1">
             <a:avLst/>
@@ -3534,9 +3591,9 @@
           <p:nvPr/>
         </p:nvCxnSpPr>
         <p:spPr>
-          <a:xfrm rot="18000000" flipH="1">
-            <a:off x="4155977" y="1041649"/>
-            <a:ext cx="1048184" cy="0"/>
+          <a:xfrm flipH="1">
+            <a:off x="4645891" y="858982"/>
+            <a:ext cx="840509" cy="701963"/>
           </a:xfrm>
           <a:prstGeom prst="straightConnector1">
             <a:avLst/>
@@ -3575,60 +3632,6 @@
       </p:cxnSp>
       <p:sp>
         <p:nvSpPr>
-          <p:cNvPr id="21" name="Oval 20">
-            <a:extLst>
-              <a:ext uri="{FF2B5EF4-FFF2-40B4-BE49-F238E27FC236}">
-                <a16:creationId xmlns:a16="http://schemas.microsoft.com/office/drawing/2014/main" id="{C0A86EBF-DBD2-884E-8F49-A280FA94B4E2}"/>
-              </a:ext>
-            </a:extLst>
-          </p:cNvPr>
-          <p:cNvSpPr>
-            <a:spLocks noChangeAspect="1"/>
-          </p:cNvSpPr>
-          <p:nvPr/>
-        </p:nvSpPr>
-        <p:spPr>
-          <a:xfrm>
-            <a:off x="2203098" y="1276159"/>
-            <a:ext cx="2971800" cy="2971800"/>
-          </a:xfrm>
-          <a:prstGeom prst="ellipse">
-            <a:avLst/>
-          </a:prstGeom>
-          <a:noFill/>
-        </p:spPr>
-        <p:style>
-          <a:lnRef idx="2">
-            <a:schemeClr val="accent1">
-              <a:shade val="50000"/>
-            </a:schemeClr>
-          </a:lnRef>
-          <a:fillRef idx="1">
-            <a:schemeClr val="accent1"/>
-          </a:fillRef>
-          <a:effectRef idx="0">
-            <a:schemeClr val="accent1"/>
-          </a:effectRef>
-          <a:fontRef idx="minor">
-            <a:schemeClr val="lt1"/>
-          </a:fontRef>
-        </p:style>
-        <p:txBody>
-          <a:bodyPr rot="0" spcFirstLastPara="0" vertOverflow="overflow" horzOverflow="overflow" vert="horz" wrap="square" lIns="91440" tIns="45720" rIns="91440" bIns="45720" numCol="1" spcCol="0" rtlCol="0" fromWordArt="0" anchor="ctr" anchorCtr="0" forceAA="0" compatLnSpc="1">
-            <a:prstTxWarp prst="textNoShape">
-              <a:avLst/>
-            </a:prstTxWarp>
-            <a:noAutofit/>
-          </a:bodyPr>
-          <a:lstStyle/>
-          <a:p>
-            <a:pPr algn="ctr"/>
-            <a:endParaRPr lang="en-US" dirty="0"/>
-          </a:p>
-        </p:txBody>
-      </p:sp>
-      <p:sp>
-        <p:nvSpPr>
           <p:cNvPr id="22" name="TextBox 21">
             <a:extLst>
               <a:ext uri="{FF2B5EF4-FFF2-40B4-BE49-F238E27FC236}">
@@ -3641,8 +3644,8 @@
         </p:nvSpPr>
         <p:spPr>
           <a:xfrm>
-            <a:off x="5638900" y="4024128"/>
-            <a:ext cx="4631178" cy="1222771"/>
+            <a:off x="5638900" y="3848644"/>
+            <a:ext cx="5130700" cy="1477328"/>
           </a:xfrm>
           <a:prstGeom prst="rect">
             <a:avLst/>
@@ -3656,7 +3659,7 @@
           <a:lstStyle/>
           <a:p>
             <a:r>
-              <a:rPr lang="en-US" b="1" dirty="0"/>
+              <a:rPr lang="en-US" sz="1800" b="1" dirty="0"/>
               <a:t>              Simulated data of missing-from-source taxa</a:t>
             </a:r>
           </a:p>
@@ -3666,14 +3669,14 @@
               <a:buChar char="•"/>
             </a:pPr>
             <a:r>
-              <a:rPr lang="en-US" dirty="0"/>
+              <a:rPr lang="en-US" sz="1800" dirty="0"/>
               <a:t>All source chronograms with simulated tips and</a:t>
             </a:r>
           </a:p>
           <a:p>
             <a:pPr marL="293688"/>
             <a:r>
-              <a:rPr lang="en-US" dirty="0"/>
+              <a:rPr lang="en-US" sz="1800" dirty="0"/>
               <a:t>ages of divergence of missing-from-source taxa </a:t>
             </a:r>
           </a:p>
@@ -3683,7 +3686,7 @@
               <a:buChar char="•"/>
             </a:pPr>
             <a:r>
-              <a:rPr lang="en-US" dirty="0"/>
+              <a:rPr lang="en-US" sz="1800" dirty="0"/>
               <a:t>A summary tree of source chronograms with simulated tips and ages of missing-from-source taxa</a:t>
             </a:r>
           </a:p>

--- a/Fig1.pptx
+++ b/Fig1.pptx
@@ -254,7 +254,7 @@
           <a:p>
             <a:fld id="{51126369-614B-0B45-85DC-92B11319A204}" type="datetimeFigureOut">
               <a:rPr lang="en-US" smtClean="0"/>
-              <a:t>5/17/19</a:t>
+              <a:t>6/8/19</a:t>
             </a:fld>
             <a:endParaRPr lang="en-US"/>
           </a:p>
@@ -424,7 +424,7 @@
           <a:p>
             <a:fld id="{51126369-614B-0B45-85DC-92B11319A204}" type="datetimeFigureOut">
               <a:rPr lang="en-US" smtClean="0"/>
-              <a:t>5/17/19</a:t>
+              <a:t>6/8/19</a:t>
             </a:fld>
             <a:endParaRPr lang="en-US"/>
           </a:p>
@@ -604,7 +604,7 @@
           <a:p>
             <a:fld id="{51126369-614B-0B45-85DC-92B11319A204}" type="datetimeFigureOut">
               <a:rPr lang="en-US" smtClean="0"/>
-              <a:t>5/17/19</a:t>
+              <a:t>6/8/19</a:t>
             </a:fld>
             <a:endParaRPr lang="en-US"/>
           </a:p>
@@ -774,7 +774,7 @@
           <a:p>
             <a:fld id="{51126369-614B-0B45-85DC-92B11319A204}" type="datetimeFigureOut">
               <a:rPr lang="en-US" smtClean="0"/>
-              <a:t>5/17/19</a:t>
+              <a:t>6/8/19</a:t>
             </a:fld>
             <a:endParaRPr lang="en-US"/>
           </a:p>
@@ -1020,7 +1020,7 @@
           <a:p>
             <a:fld id="{51126369-614B-0B45-85DC-92B11319A204}" type="datetimeFigureOut">
               <a:rPr lang="en-US" smtClean="0"/>
-              <a:t>5/17/19</a:t>
+              <a:t>6/8/19</a:t>
             </a:fld>
             <a:endParaRPr lang="en-US"/>
           </a:p>
@@ -1252,7 +1252,7 @@
           <a:p>
             <a:fld id="{51126369-614B-0B45-85DC-92B11319A204}" type="datetimeFigureOut">
               <a:rPr lang="en-US" smtClean="0"/>
-              <a:t>5/17/19</a:t>
+              <a:t>6/8/19</a:t>
             </a:fld>
             <a:endParaRPr lang="en-US"/>
           </a:p>
@@ -1619,7 +1619,7 @@
           <a:p>
             <a:fld id="{51126369-614B-0B45-85DC-92B11319A204}" type="datetimeFigureOut">
               <a:rPr lang="en-US" smtClean="0"/>
-              <a:t>5/17/19</a:t>
+              <a:t>6/8/19</a:t>
             </a:fld>
             <a:endParaRPr lang="en-US"/>
           </a:p>
@@ -1737,7 +1737,7 @@
           <a:p>
             <a:fld id="{51126369-614B-0B45-85DC-92B11319A204}" type="datetimeFigureOut">
               <a:rPr lang="en-US" smtClean="0"/>
-              <a:t>5/17/19</a:t>
+              <a:t>6/8/19</a:t>
             </a:fld>
             <a:endParaRPr lang="en-US"/>
           </a:p>
@@ -1832,7 +1832,7 @@
           <a:p>
             <a:fld id="{51126369-614B-0B45-85DC-92B11319A204}" type="datetimeFigureOut">
               <a:rPr lang="en-US" smtClean="0"/>
-              <a:t>5/17/19</a:t>
+              <a:t>6/8/19</a:t>
             </a:fld>
             <a:endParaRPr lang="en-US"/>
           </a:p>
@@ -2109,7 +2109,7 @@
           <a:p>
             <a:fld id="{51126369-614B-0B45-85DC-92B11319A204}" type="datetimeFigureOut">
               <a:rPr lang="en-US" smtClean="0"/>
-              <a:t>5/17/19</a:t>
+              <a:t>6/8/19</a:t>
             </a:fld>
             <a:endParaRPr lang="en-US"/>
           </a:p>
@@ -2366,7 +2366,7 @@
           <a:p>
             <a:fld id="{51126369-614B-0B45-85DC-92B11319A204}" type="datetimeFigureOut">
               <a:rPr lang="en-US" smtClean="0"/>
-              <a:t>5/17/19</a:t>
+              <a:t>6/8/19</a:t>
             </a:fld>
             <a:endParaRPr lang="en-US"/>
           </a:p>
@@ -2579,7 +2579,7 @@
           <a:p>
             <a:fld id="{51126369-614B-0B45-85DC-92B11319A204}" type="datetimeFigureOut">
               <a:rPr lang="en-US" smtClean="0"/>
-              <a:t>5/17/19</a:t>
+              <a:t>6/8/19</a:t>
             </a:fld>
             <a:endParaRPr lang="en-US"/>
           </a:p>
@@ -2998,8 +2998,8 @@
         </p:nvSpPr>
         <p:spPr>
           <a:xfrm>
-            <a:off x="4677768" y="22666"/>
-            <a:ext cx="6235040" cy="1754326"/>
+            <a:off x="4397352" y="22666"/>
+            <a:ext cx="6670416" cy="1754326"/>
           </a:xfrm>
           <a:prstGeom prst="rect">
             <a:avLst/>
@@ -3013,7 +3013,11 @@
           <a:lstStyle/>
           <a:p>
             <a:r>
-              <a:rPr lang="en-US" sz="1800" b="1" dirty="0"/>
+              <a:rPr lang="en-US" sz="1800" b="1" dirty="0">
+                <a:latin typeface="Helvetica Neue" panose="02000503000000020004" pitchFamily="2" charset="0"/>
+                <a:ea typeface="Helvetica Neue" panose="02000503000000020004" pitchFamily="2" charset="0"/>
+                <a:cs typeface="Helvetica Neue" panose="02000503000000020004" pitchFamily="2" charset="0"/>
+              </a:rPr>
               <a:t>  Source data (peer reviewed and curated)</a:t>
             </a:r>
           </a:p>
@@ -3023,8 +3027,12 @@
               <a:buChar char="•"/>
             </a:pPr>
             <a:r>
-              <a:rPr lang="en-US" sz="1800" dirty="0"/>
-              <a:t>All source chronograms</a:t>
+              <a:rPr lang="en-US" sz="1800" dirty="0">
+                <a:latin typeface="Helvetica Neue" panose="02000503000000020004" pitchFamily="2" charset="0"/>
+                <a:ea typeface="Helvetica Neue" panose="02000503000000020004" pitchFamily="2" charset="0"/>
+                <a:cs typeface="Helvetica Neue" panose="02000503000000020004" pitchFamily="2" charset="0"/>
+              </a:rPr>
+              <a:t> All source chronograms</a:t>
             </a:r>
           </a:p>
           <a:p>
@@ -3033,7 +3041,11 @@
               <a:buChar char="•"/>
             </a:pPr>
             <a:r>
-              <a:rPr lang="en-US" sz="1800" dirty="0"/>
+              <a:rPr lang="en-US" sz="1800" dirty="0">
+                <a:latin typeface="Helvetica Neue" panose="02000503000000020004" pitchFamily="2" charset="0"/>
+                <a:ea typeface="Helvetica Neue" panose="02000503000000020004" pitchFamily="2" charset="0"/>
+                <a:cs typeface="Helvetica Neue" panose="02000503000000020004" pitchFamily="2" charset="0"/>
+              </a:rPr>
               <a:t> All original study citations</a:t>
             </a:r>
           </a:p>
@@ -3043,11 +3055,27 @@
               <a:buChar char="•"/>
             </a:pPr>
             <a:r>
-              <a:rPr lang="en-US" sz="1800" dirty="0" err="1"/>
+              <a:rPr lang="en-US" sz="1800" dirty="0">
+                <a:latin typeface="Helvetica Neue" panose="02000503000000020004" pitchFamily="2" charset="0"/>
+                <a:ea typeface="Helvetica Neue" panose="02000503000000020004" pitchFamily="2" charset="0"/>
+                <a:cs typeface="Helvetica Neue" panose="02000503000000020004" pitchFamily="2" charset="0"/>
+              </a:rPr>
+              <a:t> </a:t>
+            </a:r>
+            <a:r>
+              <a:rPr lang="en-US" sz="1800" dirty="0" err="1">
+                <a:latin typeface="Helvetica Neue" panose="02000503000000020004" pitchFamily="2" charset="0"/>
+                <a:ea typeface="Helvetica Neue" panose="02000503000000020004" pitchFamily="2" charset="0"/>
+                <a:cs typeface="Helvetica Neue" panose="02000503000000020004" pitchFamily="2" charset="0"/>
+              </a:rPr>
               <a:t>Mrca</a:t>
             </a:r>
             <a:r>
-              <a:rPr lang="en-US" sz="1800" dirty="0"/>
+              <a:rPr lang="en-US" sz="1800" dirty="0">
+                <a:latin typeface="Helvetica Neue" panose="02000503000000020004" pitchFamily="2" charset="0"/>
+                <a:ea typeface="Helvetica Neue" panose="02000503000000020004" pitchFamily="2" charset="0"/>
+                <a:cs typeface="Helvetica Neue" panose="02000503000000020004" pitchFamily="2" charset="0"/>
+              </a:rPr>
               <a:t> ages of each source chronogram</a:t>
             </a:r>
           </a:p>
@@ -3057,8 +3085,12 @@
               <a:buChar char="•"/>
             </a:pPr>
             <a:r>
-              <a:rPr lang="en-US" sz="1800" dirty="0"/>
-              <a:t>A single summary tree of source chronograms</a:t>
+              <a:rPr lang="en-US" sz="1800" dirty="0">
+                <a:latin typeface="Helvetica Neue" panose="02000503000000020004" pitchFamily="2" charset="0"/>
+                <a:ea typeface="Helvetica Neue" panose="02000503000000020004" pitchFamily="2" charset="0"/>
+                <a:cs typeface="Helvetica Neue" panose="02000503000000020004" pitchFamily="2" charset="0"/>
+              </a:rPr>
+              <a:t> A single summary tree of source chronograms</a:t>
             </a:r>
           </a:p>
           <a:p>
@@ -3067,7 +3099,11 @@
               <a:buChar char="•"/>
             </a:pPr>
             <a:r>
-              <a:rPr lang="en-US" sz="1800" dirty="0"/>
+              <a:rPr lang="en-US" sz="1800" dirty="0">
+                <a:latin typeface="Helvetica Neue" panose="02000503000000020004" pitchFamily="2" charset="0"/>
+                <a:ea typeface="Helvetica Neue" panose="02000503000000020004" pitchFamily="2" charset="0"/>
+                <a:cs typeface="Helvetica Neue" panose="02000503000000020004" pitchFamily="2" charset="0"/>
+              </a:rPr>
               <a:t>A summary of successful hits per input name</a:t>
             </a:r>
           </a:p>
@@ -3128,7 +3164,11 @@
           <a:lstStyle/>
           <a:p>
             <a:pPr algn="ctr"/>
-            <a:endParaRPr lang="en-US" dirty="0"/>
+            <a:endParaRPr lang="en-US" dirty="0">
+              <a:latin typeface="Helvetica Neue" panose="02000503000000020004" pitchFamily="2" charset="0"/>
+              <a:ea typeface="Helvetica Neue" panose="02000503000000020004" pitchFamily="2" charset="0"/>
+              <a:cs typeface="Helvetica Neue" panose="02000503000000020004" pitchFamily="2" charset="0"/>
+            </a:endParaRPr>
           </a:p>
         </p:txBody>
       </p:sp>
@@ -3185,7 +3225,11 @@
           <a:lstStyle/>
           <a:p>
             <a:pPr algn="ctr"/>
-            <a:endParaRPr lang="en-US" dirty="0"/>
+            <a:endParaRPr lang="en-US" dirty="0">
+              <a:latin typeface="Helvetica Neue" panose="02000503000000020004" pitchFamily="2" charset="0"/>
+              <a:ea typeface="Helvetica Neue" panose="02000503000000020004" pitchFamily="2" charset="0"/>
+              <a:cs typeface="Helvetica Neue" panose="02000503000000020004" pitchFamily="2" charset="0"/>
+            </a:endParaRPr>
           </a:p>
         </p:txBody>
       </p:sp>
@@ -3211,7 +3255,7 @@
         </p:blipFill>
         <p:spPr>
           <a:xfrm>
-            <a:off x="2952756" y="2181317"/>
+            <a:off x="2806452" y="2181317"/>
             <a:ext cx="2404336" cy="1123766"/>
           </a:xfrm>
           <a:prstGeom prst="rect">
@@ -3233,8 +3277,8 @@
         </p:nvSpPr>
         <p:spPr>
           <a:xfrm>
-            <a:off x="508525" y="1667333"/>
-            <a:ext cx="1544590" cy="646331"/>
+            <a:off x="277711" y="1667333"/>
+            <a:ext cx="1747594" cy="646331"/>
           </a:xfrm>
           <a:prstGeom prst="rect">
             <a:avLst/>
@@ -3249,21 +3293,37 @@
           <a:p>
             <a:pPr algn="ctr"/>
             <a:r>
-              <a:rPr lang="en-US" sz="1800" dirty="0"/>
+              <a:rPr lang="en-US" sz="1800" dirty="0">
+                <a:latin typeface="Helvetica Neue" panose="02000503000000020004" pitchFamily="2" charset="0"/>
+                <a:ea typeface="Helvetica Neue" panose="02000503000000020004" pitchFamily="2" charset="0"/>
+                <a:cs typeface="Helvetica Neue" panose="02000503000000020004" pitchFamily="2" charset="0"/>
+              </a:rPr>
               <a:t>A </a:t>
             </a:r>
             <a:r>
-              <a:rPr lang="en-US" sz="1800" b="1" dirty="0"/>
+              <a:rPr lang="en-US" sz="1800" b="1" dirty="0">
+                <a:latin typeface="Helvetica Neue" panose="02000503000000020004" pitchFamily="2" charset="0"/>
+                <a:ea typeface="Helvetica Neue" panose="02000503000000020004" pitchFamily="2" charset="0"/>
+                <a:cs typeface="Helvetica Neue" panose="02000503000000020004" pitchFamily="2" charset="0"/>
+              </a:rPr>
               <a:t>list of taxon </a:t>
             </a:r>
           </a:p>
           <a:p>
             <a:pPr algn="ctr"/>
             <a:r>
-              <a:rPr lang="en-US" sz="1800" b="1" dirty="0"/>
+              <a:rPr lang="en-US" sz="1800" b="1" dirty="0">
+                <a:latin typeface="Helvetica Neue" panose="02000503000000020004" pitchFamily="2" charset="0"/>
+                <a:ea typeface="Helvetica Neue" panose="02000503000000020004" pitchFamily="2" charset="0"/>
+                <a:cs typeface="Helvetica Neue" panose="02000503000000020004" pitchFamily="2" charset="0"/>
+              </a:rPr>
               <a:t>names</a:t>
             </a:r>
-            <a:endParaRPr lang="en-US" sz="1800" dirty="0"/>
+            <a:endParaRPr lang="en-US" sz="1800" dirty="0">
+              <a:latin typeface="Helvetica Neue" panose="02000503000000020004" pitchFamily="2" charset="0"/>
+              <a:ea typeface="Helvetica Neue" panose="02000503000000020004" pitchFamily="2" charset="0"/>
+              <a:cs typeface="Helvetica Neue" panose="02000503000000020004" pitchFamily="2" charset="0"/>
+            </a:endParaRPr>
           </a:p>
         </p:txBody>
       </p:sp>
@@ -3281,8 +3341,8 @@
         </p:nvSpPr>
         <p:spPr>
           <a:xfrm>
-            <a:off x="153478" y="3034881"/>
-            <a:ext cx="1996060" cy="646331"/>
+            <a:off x="1995" y="3034881"/>
+            <a:ext cx="2299027" cy="646331"/>
           </a:xfrm>
           <a:prstGeom prst="rect">
             <a:avLst/>
@@ -3297,26 +3357,46 @@
           <a:p>
             <a:pPr algn="ctr"/>
             <a:r>
-              <a:rPr lang="en-US" sz="1800" dirty="0"/>
+              <a:rPr lang="en-US" sz="1800" dirty="0">
+                <a:latin typeface="Helvetica Neue" panose="02000503000000020004" pitchFamily="2" charset="0"/>
+                <a:ea typeface="Helvetica Neue" panose="02000503000000020004" pitchFamily="2" charset="0"/>
+                <a:cs typeface="Helvetica Neue" panose="02000503000000020004" pitchFamily="2" charset="0"/>
+              </a:rPr>
               <a:t>A </a:t>
             </a:r>
             <a:r>
-              <a:rPr lang="en-US" sz="1800" b="1" dirty="0"/>
+              <a:rPr lang="en-US" sz="1800" b="1" dirty="0">
+                <a:latin typeface="Helvetica Neue" panose="02000503000000020004" pitchFamily="2" charset="0"/>
+                <a:ea typeface="Helvetica Neue" panose="02000503000000020004" pitchFamily="2" charset="0"/>
+                <a:cs typeface="Helvetica Neue" panose="02000503000000020004" pitchFamily="2" charset="0"/>
+              </a:rPr>
               <a:t>tree</a:t>
             </a:r>
             <a:r>
-              <a:rPr lang="en-US" sz="1800" dirty="0"/>
+              <a:rPr lang="en-US" sz="1800" dirty="0">
+                <a:latin typeface="Helvetica Neue" panose="02000503000000020004" pitchFamily="2" charset="0"/>
+                <a:ea typeface="Helvetica Neue" panose="02000503000000020004" pitchFamily="2" charset="0"/>
+                <a:cs typeface="Helvetica Neue" panose="02000503000000020004" pitchFamily="2" charset="0"/>
+              </a:rPr>
               <a:t> with </a:t>
             </a:r>
             <a:r>
-              <a:rPr lang="en-US" sz="1800" b="1" dirty="0"/>
+              <a:rPr lang="en-US" sz="1800" b="1" dirty="0">
+                <a:latin typeface="Helvetica Neue" panose="02000503000000020004" pitchFamily="2" charset="0"/>
+                <a:ea typeface="Helvetica Neue" panose="02000503000000020004" pitchFamily="2" charset="0"/>
+                <a:cs typeface="Helvetica Neue" panose="02000503000000020004" pitchFamily="2" charset="0"/>
+              </a:rPr>
               <a:t>taxon </a:t>
             </a:r>
           </a:p>
           <a:p>
             <a:pPr algn="ctr"/>
             <a:r>
-              <a:rPr lang="en-US" sz="1800" b="1" dirty="0"/>
+              <a:rPr lang="en-US" sz="1800" b="1" dirty="0">
+                <a:latin typeface="Helvetica Neue" panose="02000503000000020004" pitchFamily="2" charset="0"/>
+                <a:ea typeface="Helvetica Neue" panose="02000503000000020004" pitchFamily="2" charset="0"/>
+                <a:cs typeface="Helvetica Neue" panose="02000503000000020004" pitchFamily="2" charset="0"/>
+              </a:rPr>
               <a:t>names as tip labels</a:t>
             </a:r>
           </a:p>
@@ -3336,7 +3416,7 @@
         </p:nvSpPr>
         <p:spPr>
           <a:xfrm>
-            <a:off x="6412205" y="2004925"/>
+            <a:off x="6131789" y="2004925"/>
             <a:ext cx="4631178" cy="1477328"/>
           </a:xfrm>
           <a:prstGeom prst="rect">
@@ -3351,7 +3431,11 @@
           <a:lstStyle/>
           <a:p>
             <a:r>
-              <a:rPr lang="en-US" sz="1800" b="1" dirty="0"/>
+              <a:rPr lang="en-US" sz="1800" b="1" dirty="0">
+                <a:latin typeface="Helvetica Neue" panose="02000503000000020004" pitchFamily="2" charset="0"/>
+                <a:ea typeface="Helvetica Neue" panose="02000503000000020004" pitchFamily="2" charset="0"/>
+                <a:cs typeface="Helvetica Neue" panose="02000503000000020004" pitchFamily="2" charset="0"/>
+              </a:rPr>
               <a:t>  Original data</a:t>
             </a:r>
           </a:p>
@@ -3361,8 +3445,12 @@
               <a:buChar char="•"/>
             </a:pPr>
             <a:r>
-              <a:rPr lang="en-US" sz="1800" dirty="0"/>
-              <a:t>A single chronogram calibrated with all source chronogram data</a:t>
+              <a:rPr lang="en-US" sz="1800" dirty="0">
+                <a:latin typeface="Helvetica Neue" panose="02000503000000020004" pitchFamily="2" charset="0"/>
+                <a:ea typeface="Helvetica Neue" panose="02000503000000020004" pitchFamily="2" charset="0"/>
+                <a:cs typeface="Helvetica Neue" panose="02000503000000020004" pitchFamily="2" charset="0"/>
+              </a:rPr>
+              <a:t> A single chronogram calibrated with all source chronogram data</a:t>
             </a:r>
           </a:p>
           <a:p>
@@ -3371,8 +3459,12 @@
               <a:buChar char="•"/>
             </a:pPr>
             <a:r>
-              <a:rPr lang="en-US" sz="1800" dirty="0"/>
-              <a:t>A chronogram calibrated with data from a subset of source chronogram data</a:t>
+              <a:rPr lang="en-US" sz="1800" dirty="0">
+                <a:latin typeface="Helvetica Neue" panose="02000503000000020004" pitchFamily="2" charset="0"/>
+                <a:ea typeface="Helvetica Neue" panose="02000503000000020004" pitchFamily="2" charset="0"/>
+                <a:cs typeface="Helvetica Neue" panose="02000503000000020004" pitchFamily="2" charset="0"/>
+              </a:rPr>
+              <a:t> A chronogram calibrated with data from a subset of source chronogram data</a:t>
             </a:r>
           </a:p>
         </p:txBody>
@@ -3393,7 +3485,7 @@
         </p:nvCxnSpPr>
         <p:spPr>
           <a:xfrm flipH="1">
-            <a:off x="2104930" y="2974474"/>
+            <a:off x="2226850" y="2974474"/>
             <a:ext cx="527331" cy="375557"/>
           </a:xfrm>
           <a:prstGeom prst="straightConnector1">
@@ -3441,7 +3533,7 @@
         </p:nvCxnSpPr>
         <p:spPr>
           <a:xfrm flipH="1" flipV="1">
-            <a:off x="2108552" y="2073949"/>
+            <a:off x="2181704" y="2073949"/>
             <a:ext cx="514575" cy="382924"/>
           </a:xfrm>
           <a:prstGeom prst="straightConnector1">
@@ -3489,7 +3581,7 @@
         </p:nvCxnSpPr>
         <p:spPr>
           <a:xfrm flipH="1">
-            <a:off x="5364021" y="2734163"/>
+            <a:off x="5083605" y="2734163"/>
             <a:ext cx="1048184" cy="0"/>
           </a:xfrm>
           <a:prstGeom prst="straightConnector1">
@@ -3532,14 +3624,13 @@
           </p:cNvPr>
           <p:cNvCxnSpPr>
             <a:cxnSpLocks/>
-            <a:stCxn id="22" idx="1"/>
           </p:cNvCxnSpPr>
           <p:nvPr/>
         </p:nvCxnSpPr>
         <p:spPr>
           <a:xfrm flipH="1" flipV="1">
-            <a:off x="4675036" y="4052890"/>
-            <a:ext cx="963864" cy="534418"/>
+            <a:off x="4748684" y="3464471"/>
+            <a:ext cx="737716" cy="637100"/>
           </a:xfrm>
           <a:prstGeom prst="straightConnector1">
             <a:avLst/>
@@ -3592,8 +3683,8 @@
         </p:nvCxnSpPr>
         <p:spPr>
           <a:xfrm flipH="1">
-            <a:off x="4645891" y="858982"/>
-            <a:ext cx="840509" cy="701963"/>
+            <a:off x="4768190" y="1407622"/>
+            <a:ext cx="718212" cy="750480"/>
           </a:xfrm>
           <a:prstGeom prst="straightConnector1">
             <a:avLst/>
@@ -3644,8 +3735,8 @@
         </p:nvSpPr>
         <p:spPr>
           <a:xfrm>
-            <a:off x="5638900" y="3848644"/>
-            <a:ext cx="5130700" cy="1477328"/>
+            <a:off x="5358484" y="3848644"/>
+            <a:ext cx="5709284" cy="1477328"/>
           </a:xfrm>
           <a:prstGeom prst="rect">
             <a:avLst/>
@@ -3659,8 +3750,12 @@
           <a:lstStyle/>
           <a:p>
             <a:r>
-              <a:rPr lang="en-US" sz="1800" b="1" dirty="0"/>
-              <a:t>              Simulated data of missing-from-source taxa</a:t>
+              <a:rPr lang="en-US" sz="1800" b="1" dirty="0">
+                <a:latin typeface="Helvetica Neue" panose="02000503000000020004" pitchFamily="2" charset="0"/>
+                <a:ea typeface="Helvetica Neue" panose="02000503000000020004" pitchFamily="2" charset="0"/>
+                <a:cs typeface="Helvetica Neue" panose="02000503000000020004" pitchFamily="2" charset="0"/>
+              </a:rPr>
+              <a:t>              Simulated data</a:t>
             </a:r>
           </a:p>
           <a:p>
@@ -3669,14 +3764,22 @@
               <a:buChar char="•"/>
             </a:pPr>
             <a:r>
-              <a:rPr lang="en-US" sz="1800" dirty="0"/>
-              <a:t>All source chronograms with simulated tips and</a:t>
+              <a:rPr lang="en-US" sz="1800" dirty="0">
+                <a:latin typeface="Helvetica Neue" panose="02000503000000020004" pitchFamily="2" charset="0"/>
+                <a:ea typeface="Helvetica Neue" panose="02000503000000020004" pitchFamily="2" charset="0"/>
+                <a:cs typeface="Helvetica Neue" panose="02000503000000020004" pitchFamily="2" charset="0"/>
+              </a:rPr>
+              <a:t> All source chronograms with simulated tips and</a:t>
             </a:r>
           </a:p>
           <a:p>
             <a:pPr marL="293688"/>
             <a:r>
-              <a:rPr lang="en-US" sz="1800" dirty="0"/>
+              <a:rPr lang="en-US" sz="1800" dirty="0">
+                <a:latin typeface="Helvetica Neue" panose="02000503000000020004" pitchFamily="2" charset="0"/>
+                <a:ea typeface="Helvetica Neue" panose="02000503000000020004" pitchFamily="2" charset="0"/>
+                <a:cs typeface="Helvetica Neue" panose="02000503000000020004" pitchFamily="2" charset="0"/>
+              </a:rPr>
               <a:t>ages of divergence of missing-from-source taxa </a:t>
             </a:r>
           </a:p>
@@ -3686,8 +3789,12 @@
               <a:buChar char="•"/>
             </a:pPr>
             <a:r>
-              <a:rPr lang="en-US" sz="1800" dirty="0"/>
-              <a:t>A summary tree of source chronograms with simulated tips and ages of missing-from-source taxa</a:t>
+              <a:rPr lang="en-US" sz="1800" dirty="0">
+                <a:latin typeface="Helvetica Neue" panose="02000503000000020004" pitchFamily="2" charset="0"/>
+                <a:ea typeface="Helvetica Neue" panose="02000503000000020004" pitchFamily="2" charset="0"/>
+                <a:cs typeface="Helvetica Neue" panose="02000503000000020004" pitchFamily="2" charset="0"/>
+              </a:rPr>
+              <a:t> A summary tree of source chronograms with simulated tips and ages of missing-from-source taxa</a:t>
             </a:r>
           </a:p>
         </p:txBody>
